--- a/Requirements/ppts/Final Sample.pptx
+++ b/Requirements/ppts/Final Sample.pptx
@@ -282,7 +282,7 @@
           <a:p>
             <a:fld id="{037ACD66-66E3-4059-B803-CE1675B97FE7}" type="datetimeFigureOut">
               <a:rPr lang="en-IN" smtClean="0"/>
-              <a:t>01-05-2019</a:t>
+              <a:t>02-05-2019</a:t>
             </a:fld>
             <a:endParaRPr lang="en-IN"/>
           </a:p>
@@ -482,7 +482,7 @@
           <a:p>
             <a:fld id="{037ACD66-66E3-4059-B803-CE1675B97FE7}" type="datetimeFigureOut">
               <a:rPr lang="en-IN" smtClean="0"/>
-              <a:t>01-05-2019</a:t>
+              <a:t>02-05-2019</a:t>
             </a:fld>
             <a:endParaRPr lang="en-IN"/>
           </a:p>
@@ -692,7 +692,7 @@
           <a:p>
             <a:fld id="{037ACD66-66E3-4059-B803-CE1675B97FE7}" type="datetimeFigureOut">
               <a:rPr lang="en-IN" smtClean="0"/>
-              <a:t>01-05-2019</a:t>
+              <a:t>02-05-2019</a:t>
             </a:fld>
             <a:endParaRPr lang="en-IN"/>
           </a:p>
@@ -892,7 +892,7 @@
           <a:p>
             <a:fld id="{037ACD66-66E3-4059-B803-CE1675B97FE7}" type="datetimeFigureOut">
               <a:rPr lang="en-IN" smtClean="0"/>
-              <a:t>01-05-2019</a:t>
+              <a:t>02-05-2019</a:t>
             </a:fld>
             <a:endParaRPr lang="en-IN"/>
           </a:p>
@@ -1168,7 +1168,7 @@
           <a:p>
             <a:fld id="{037ACD66-66E3-4059-B803-CE1675B97FE7}" type="datetimeFigureOut">
               <a:rPr lang="en-IN" smtClean="0"/>
-              <a:t>01-05-2019</a:t>
+              <a:t>02-05-2019</a:t>
             </a:fld>
             <a:endParaRPr lang="en-IN"/>
           </a:p>
@@ -1436,7 +1436,7 @@
           <a:p>
             <a:fld id="{037ACD66-66E3-4059-B803-CE1675B97FE7}" type="datetimeFigureOut">
               <a:rPr lang="en-IN" smtClean="0"/>
-              <a:t>01-05-2019</a:t>
+              <a:t>02-05-2019</a:t>
             </a:fld>
             <a:endParaRPr lang="en-IN"/>
           </a:p>
@@ -1851,7 +1851,7 @@
           <a:p>
             <a:fld id="{037ACD66-66E3-4059-B803-CE1675B97FE7}" type="datetimeFigureOut">
               <a:rPr lang="en-IN" smtClean="0"/>
-              <a:t>01-05-2019</a:t>
+              <a:t>02-05-2019</a:t>
             </a:fld>
             <a:endParaRPr lang="en-IN"/>
           </a:p>
@@ -1993,7 +1993,7 @@
           <a:p>
             <a:fld id="{037ACD66-66E3-4059-B803-CE1675B97FE7}" type="datetimeFigureOut">
               <a:rPr lang="en-IN" smtClean="0"/>
-              <a:t>01-05-2019</a:t>
+              <a:t>02-05-2019</a:t>
             </a:fld>
             <a:endParaRPr lang="en-IN"/>
           </a:p>
@@ -2106,7 +2106,7 @@
           <a:p>
             <a:fld id="{037ACD66-66E3-4059-B803-CE1675B97FE7}" type="datetimeFigureOut">
               <a:rPr lang="en-IN" smtClean="0"/>
-              <a:t>01-05-2019</a:t>
+              <a:t>02-05-2019</a:t>
             </a:fld>
             <a:endParaRPr lang="en-IN"/>
           </a:p>
@@ -2419,7 +2419,7 @@
           <a:p>
             <a:fld id="{037ACD66-66E3-4059-B803-CE1675B97FE7}" type="datetimeFigureOut">
               <a:rPr lang="en-IN" smtClean="0"/>
-              <a:t>01-05-2019</a:t>
+              <a:t>02-05-2019</a:t>
             </a:fld>
             <a:endParaRPr lang="en-IN"/>
           </a:p>
@@ -2708,7 +2708,7 @@
           <a:p>
             <a:fld id="{037ACD66-66E3-4059-B803-CE1675B97FE7}" type="datetimeFigureOut">
               <a:rPr lang="en-IN" smtClean="0"/>
-              <a:t>01-05-2019</a:t>
+              <a:t>02-05-2019</a:t>
             </a:fld>
             <a:endParaRPr lang="en-IN"/>
           </a:p>
@@ -2951,7 +2951,7 @@
           <a:p>
             <a:fld id="{037ACD66-66E3-4059-B803-CE1675B97FE7}" type="datetimeFigureOut">
               <a:rPr lang="en-IN" smtClean="0"/>
-              <a:t>01-05-2019</a:t>
+              <a:t>02-05-2019</a:t>
             </a:fld>
             <a:endParaRPr lang="en-IN"/>
           </a:p>
@@ -6263,19 +6263,13 @@
           <a:p>
             <a:r>
               <a:rPr lang="en-IN" dirty="0"/>
-              <a:t>Unable to find Invalid QR code.</a:t>
+              <a:t>Deployment is needed for every change in backend.</a:t>
             </a:r>
           </a:p>
           <a:p>
             <a:r>
               <a:rPr lang="en-IN" dirty="0"/>
-              <a:t>Backend deployment</a:t>
-            </a:r>
-          </a:p>
-          <a:p>
-            <a:r>
-              <a:rPr lang="en-IN" dirty="0"/>
-              <a:t>Received “” error while creating signed </a:t>
+              <a:t>Digitally signing </a:t>
             </a:r>
             <a:r>
               <a:rPr lang="en-IN" dirty="0" err="1"/>
@@ -6283,7 +6277,7 @@
             </a:r>
             <a:r>
               <a:rPr lang="en-IN" dirty="0"/>
-              <a:t> </a:t>
+              <a:t> is a cumbersome process</a:t>
             </a:r>
           </a:p>
           <a:p>
@@ -6350,15 +6344,14 @@
           </a:p>
           <a:p>
             <a:r>
-              <a:rPr lang="en-IN" dirty="0" err="1"/>
-              <a:t>Soln</a:t>
-            </a:r>
-            <a:endParaRPr lang="en-IN" dirty="0"/>
-          </a:p>
-          <a:p>
-            <a:r>
               <a:rPr lang="en-IN" dirty="0"/>
-              <a:t>Given build in the Heroku</a:t>
+              <a:t>Implemented CICD using GitHub and Heroku.</a:t>
+            </a:r>
+          </a:p>
+          <a:p>
+            <a:r>
+              <a:rPr lang="en-IN" dirty="0"/>
+              <a:t>Hunted through google documentation.</a:t>
             </a:r>
           </a:p>
         </p:txBody>
